--- a/Präsentation/Teilpräsentationen/Schichtenmodell.pptx
+++ b/Präsentation/Teilpräsentationen/Schichtenmodell.pptx
@@ -395,7 +395,7 @@
           <a:p>
             <a:fld id="{90BC4B87-6123-4AD5-BA18-D0C615F32DE0}" type="datetimeFigureOut">
               <a:rPr lang="de-DE" smtClean="0"/>
-              <a:t>04.07.2018</a:t>
+              <a:t>08.07.2018</a:t>
             </a:fld>
             <a:endParaRPr lang="de-DE"/>
           </a:p>
@@ -695,8 +695,8 @@
           <a:lstStyle/>
           <a:p>
             <a:r>
-              <a:rPr lang="de-DE" smtClean="0"/>
-              <a:t>14.07.2016</a:t>
+              <a:rPr lang="de-DE" dirty="0" smtClean="0"/>
+              <a:t>10.07.2018</a:t>
             </a:r>
             <a:endParaRPr lang="de-DE" dirty="0"/>
           </a:p>
@@ -968,8 +968,8 @@
           <a:lstStyle/>
           <a:p>
             <a:r>
-              <a:rPr lang="de-DE" smtClean="0"/>
-              <a:t>14.07.2016</a:t>
+              <a:rPr lang="de-DE" dirty="0" smtClean="0"/>
+              <a:t>10.07.2018</a:t>
             </a:r>
             <a:endParaRPr lang="de-DE" dirty="0"/>
           </a:p>
@@ -1099,8 +1099,8 @@
           <a:lstStyle/>
           <a:p>
             <a:r>
-              <a:rPr lang="de-DE" smtClean="0"/>
-              <a:t>14.07.2016</a:t>
+              <a:rPr lang="de-DE" dirty="0" smtClean="0"/>
+              <a:t>10.07.2018</a:t>
             </a:r>
             <a:endParaRPr lang="de-DE" dirty="0"/>
           </a:p>
@@ -1270,8 +1270,8 @@
           <a:lstStyle/>
           <a:p>
             <a:r>
-              <a:rPr lang="de-DE" smtClean="0"/>
-              <a:t>14.07.2016</a:t>
+              <a:rPr lang="de-DE" dirty="0" smtClean="0"/>
+              <a:t>10.07.2018</a:t>
             </a:r>
             <a:endParaRPr lang="de-DE" dirty="0"/>
           </a:p>
@@ -1461,8 +1461,8 @@
           <a:lstStyle/>
           <a:p>
             <a:r>
-              <a:rPr lang="de-DE" smtClean="0"/>
-              <a:t>14.07.2016</a:t>
+              <a:rPr lang="de-DE" dirty="0" smtClean="0"/>
+              <a:t>10.07.2018</a:t>
             </a:r>
             <a:endParaRPr lang="de-DE" dirty="0"/>
           </a:p>
@@ -1631,8 +1631,8 @@
           <a:lstStyle/>
           <a:p>
             <a:r>
-              <a:rPr lang="de-DE" smtClean="0"/>
-              <a:t>14.07.2016</a:t>
+              <a:rPr lang="de-DE" dirty="0" smtClean="0"/>
+              <a:t>10.07.2018</a:t>
             </a:r>
             <a:endParaRPr lang="de-DE" dirty="0"/>
           </a:p>
@@ -1900,8 +1900,8 @@
           <a:lstStyle/>
           <a:p>
             <a:r>
-              <a:rPr lang="de-DE" smtClean="0"/>
-              <a:t>14.07.2016</a:t>
+              <a:rPr lang="de-DE" dirty="0" smtClean="0"/>
+              <a:t>10.07.2018</a:t>
             </a:r>
             <a:endParaRPr lang="de-DE" dirty="0"/>
           </a:p>
@@ -2228,8 +2228,8 @@
           <a:lstStyle/>
           <a:p>
             <a:r>
-              <a:rPr lang="de-DE" smtClean="0"/>
-              <a:t>14.07.2016</a:t>
+              <a:rPr lang="de-DE" dirty="0" smtClean="0"/>
+              <a:t>10.07.2018</a:t>
             </a:r>
             <a:endParaRPr lang="de-DE" dirty="0"/>
           </a:p>
@@ -2557,7 +2557,7 @@
           <a:p>
             <a:r>
               <a:rPr lang="de-DE" smtClean="0"/>
-              <a:t>14.07.2016</a:t>
+              <a:t>10.07.2018</a:t>
             </a:r>
             <a:endParaRPr lang="de-DE" dirty="0"/>
           </a:p>
@@ -2853,8 +2853,8 @@
           <a:lstStyle/>
           <a:p>
             <a:r>
-              <a:rPr lang="de-DE" smtClean="0"/>
-              <a:t>14.07.2016</a:t>
+              <a:rPr lang="de-DE" dirty="0" smtClean="0"/>
+              <a:t>10.07.2018</a:t>
             </a:r>
             <a:endParaRPr lang="de-DE" dirty="0"/>
           </a:p>
@@ -3111,8 +3111,8 @@
           <a:lstStyle/>
           <a:p>
             <a:r>
-              <a:rPr lang="de-DE" smtClean="0"/>
-              <a:t>14.07.2016</a:t>
+              <a:rPr lang="de-DE" dirty="0" smtClean="0"/>
+              <a:t>10.07.2018</a:t>
             </a:r>
             <a:endParaRPr lang="de-DE" dirty="0"/>
           </a:p>
@@ -3524,8 +3524,8 @@
           <a:lstStyle/>
           <a:p>
             <a:r>
-              <a:rPr lang="de-DE" smtClean="0"/>
-              <a:t>14.07.2016</a:t>
+              <a:rPr lang="de-DE" dirty="0" smtClean="0"/>
+              <a:t>10.07.2018</a:t>
             </a:r>
             <a:endParaRPr lang="de-DE" dirty="0"/>
           </a:p>
@@ -3772,8 +3772,8 @@
           <a:lstStyle/>
           <a:p>
             <a:r>
-              <a:rPr lang="de-DE" smtClean="0"/>
-              <a:t>14.07.2016</a:t>
+              <a:rPr lang="de-DE" dirty="0" smtClean="0"/>
+              <a:t>10.07.2018</a:t>
             </a:r>
             <a:endParaRPr lang="de-DE" dirty="0"/>
           </a:p>
@@ -4110,8 +4110,8 @@
           <a:lstStyle/>
           <a:p>
             <a:r>
-              <a:rPr lang="de-DE" smtClean="0"/>
-              <a:t>14.07.2016</a:t>
+              <a:rPr lang="de-DE" dirty="0" smtClean="0"/>
+              <a:t>10.07.2018</a:t>
             </a:r>
             <a:endParaRPr lang="de-DE" dirty="0"/>
           </a:p>
@@ -4614,8 +4614,8 @@
           <a:lstStyle/>
           <a:p>
             <a:r>
-              <a:rPr lang="de-DE" smtClean="0"/>
-              <a:t>14.07.2016</a:t>
+              <a:rPr lang="de-DE" dirty="0" smtClean="0"/>
+              <a:t>10.07.2018</a:t>
             </a:r>
             <a:endParaRPr lang="de-DE" dirty="0"/>
           </a:p>
@@ -5280,8 +5280,8 @@
           <a:lstStyle/>
           <a:p>
             <a:r>
-              <a:rPr lang="de-DE" smtClean="0"/>
-              <a:t>14.07.2016</a:t>
+              <a:rPr lang="de-DE" dirty="0" smtClean="0"/>
+              <a:t>10.07.2018</a:t>
             </a:r>
             <a:endParaRPr lang="de-DE" dirty="0"/>
           </a:p>
@@ -5602,8 +5602,8 @@
           <a:lstStyle/>
           <a:p>
             <a:r>
-              <a:rPr lang="de-DE" smtClean="0"/>
-              <a:t>14.07.2016</a:t>
+              <a:rPr lang="de-DE" dirty="0" smtClean="0"/>
+              <a:t>10.07.2018</a:t>
             </a:r>
             <a:endParaRPr lang="de-DE" dirty="0"/>
           </a:p>
@@ -6046,8 +6046,8 @@
           </a:lstStyle>
           <a:p>
             <a:r>
-              <a:rPr lang="de-DE" smtClean="0"/>
-              <a:t>14.07.2016</a:t>
+              <a:rPr lang="de-DE" dirty="0" smtClean="0"/>
+              <a:t>10.07.2018</a:t>
             </a:r>
             <a:endParaRPr lang="de-DE" dirty="0"/>
           </a:p>
@@ -6615,8 +6615,8 @@
           <a:lstStyle/>
           <a:p>
             <a:r>
-              <a:rPr lang="de-DE" smtClean="0"/>
-              <a:t>14.07.2016</a:t>
+              <a:rPr lang="de-DE" dirty="0"/>
+              <a:t>10.07.2018</a:t>
             </a:r>
             <a:endParaRPr lang="de-DE" dirty="0"/>
           </a:p>
@@ -7594,9 +7594,12 @@
 </file>
 
 <file path=customXml/item1.xml><?xml version="1.0" encoding="utf-8"?>
-<p:properties xmlns:p="http://schemas.microsoft.com/office/2006/metadata/properties" xmlns:xsi="http://www.w3.org/2001/XMLSchema-instance" xmlns:pc="http://schemas.microsoft.com/office/infopath/2007/PartnerControls">
-  <documentManagement/>
-</p:properties>
+<?mso-contentType ?>
+<FormTemplates xmlns="http://schemas.microsoft.com/sharepoint/v3/contenttype/forms">
+  <Display>DocumentLibraryForm</Display>
+  <Edit>DocumentLibraryForm</Edit>
+  <New>DocumentLibraryForm</New>
+</FormTemplates>
 </file>
 
 <file path=customXml/item2.xml><?xml version="1.0" encoding="utf-8"?>
@@ -7714,25 +7717,15 @@
 </file>
 
 <file path=customXml/item3.xml><?xml version="1.0" encoding="utf-8"?>
-<?mso-contentType ?>
-<FormTemplates xmlns="http://schemas.microsoft.com/sharepoint/v3/contenttype/forms">
-  <Display>DocumentLibraryForm</Display>
-  <Edit>DocumentLibraryForm</Edit>
-  <New>DocumentLibraryForm</New>
-</FormTemplates>
+<p:properties xmlns:p="http://schemas.microsoft.com/office/2006/metadata/properties" xmlns:xsi="http://www.w3.org/2001/XMLSchema-instance" xmlns:pc="http://schemas.microsoft.com/office/infopath/2007/PartnerControls">
+  <documentManagement/>
+</p:properties>
 </file>
 
 <file path=customXml/itemProps1.xml><?xml version="1.0" encoding="utf-8"?>
-<ds:datastoreItem xmlns:ds="http://schemas.openxmlformats.org/officeDocument/2006/customXml" ds:itemID="{0A4ADDD2-5B29-4A1F-90E1-3FD9AC1E4F18}">
+<ds:datastoreItem xmlns:ds="http://schemas.openxmlformats.org/officeDocument/2006/customXml" ds:itemID="{FD22786F-CBCD-4FD4-A284-6C8FA96D8FE2}">
   <ds:schemaRefs>
-    <ds:schemaRef ds:uri="http://purl.org/dc/terms/"/>
-    <ds:schemaRef ds:uri="http://purl.org/dc/dcmitype/"/>
-    <ds:schemaRef ds:uri="http://schemas.microsoft.com/office/2006/documentManagement/types"/>
-    <ds:schemaRef ds:uri="http://schemas.microsoft.com/office/2006/metadata/properties"/>
-    <ds:schemaRef ds:uri="http://purl.org/dc/elements/1.1/"/>
-    <ds:schemaRef ds:uri="http://schemas.microsoft.com/office/infopath/2007/PartnerControls"/>
-    <ds:schemaRef ds:uri="http://schemas.openxmlformats.org/package/2006/metadata/core-properties"/>
-    <ds:schemaRef ds:uri="http://www.w3.org/XML/1998/namespace"/>
+    <ds:schemaRef ds:uri="http://schemas.microsoft.com/sharepoint/v3/contenttype/forms"/>
   </ds:schemaRefs>
 </ds:datastoreItem>
 </file>
@@ -7754,9 +7747,16 @@
 </file>
 
 <file path=customXml/itemProps3.xml><?xml version="1.0" encoding="utf-8"?>
-<ds:datastoreItem xmlns:ds="http://schemas.openxmlformats.org/officeDocument/2006/customXml" ds:itemID="{FD22786F-CBCD-4FD4-A284-6C8FA96D8FE2}">
+<ds:datastoreItem xmlns:ds="http://schemas.openxmlformats.org/officeDocument/2006/customXml" ds:itemID="{0A4ADDD2-5B29-4A1F-90E1-3FD9AC1E4F18}">
   <ds:schemaRefs>
-    <ds:schemaRef ds:uri="http://schemas.microsoft.com/sharepoint/v3/contenttype/forms"/>
+    <ds:schemaRef ds:uri="http://purl.org/dc/terms/"/>
+    <ds:schemaRef ds:uri="http://purl.org/dc/dcmitype/"/>
+    <ds:schemaRef ds:uri="http://schemas.microsoft.com/office/2006/documentManagement/types"/>
+    <ds:schemaRef ds:uri="http://schemas.microsoft.com/office/2006/metadata/properties"/>
+    <ds:schemaRef ds:uri="http://purl.org/dc/elements/1.1/"/>
+    <ds:schemaRef ds:uri="http://schemas.microsoft.com/office/infopath/2007/PartnerControls"/>
+    <ds:schemaRef ds:uri="http://schemas.openxmlformats.org/package/2006/metadata/core-properties"/>
+    <ds:schemaRef ds:uri="http://www.w3.org/XML/1998/namespace"/>
   </ds:schemaRefs>
 </ds:datastoreItem>
 </file>